--- a/docs/final_presentation.pptx
+++ b/docs/final_presentation.pptx
@@ -5582,11 +5582,7 @@
           <a:p>
             <a:r>
               <a:rPr lang="en-US" dirty="0" smtClean="0"/>
-              <a:t>The RAICHU API will allow developers to easily implement the cloud services to new projects as well inject the capabilities into existing </a:t>
-            </a:r>
-            <a:r>
-              <a:rPr lang="en-US" smtClean="0"/>
-              <a:t>source code.</a:t>
+              <a:t>The RAICHU API will allow developers to easily implement the cloud services to new projects as well inject the capabilities into existing source code.</a:t>
             </a:r>
             <a:endParaRPr lang="en-US" dirty="0"/>
           </a:p>
@@ -5609,10 +5605,14 @@
           <a:p>
             <a:pPr algn="ctr"/>
             <a:r>
-              <a:rPr lang="en-US" u="sng" dirty="0" smtClean="0"/>
+              <a:rPr lang="en-US" u="sng" dirty="0" smtClean="0">
+                <a:latin typeface="Alien Encounters Solid" pitchFamily="2" charset="0"/>
+              </a:rPr>
               <a:t>THE IDEA</a:t>
             </a:r>
-            <a:endParaRPr lang="en-US" u="sng" dirty="0"/>
+            <a:endParaRPr lang="en-US" u="sng" dirty="0">
+              <a:latin typeface="Alien Encounters Solid" pitchFamily="2" charset="0"/>
+            </a:endParaRPr>
           </a:p>
         </p:txBody>
       </p:sp>
@@ -5673,7 +5673,15 @@
           <a:p>
             <a:r>
               <a:rPr lang="en-US" sz="2800" dirty="0" smtClean="0"/>
-              <a:t>Whether is a lock, light, safe, stereo, microwave or camera, Every device than can be controlled is right for RAICHU.</a:t>
+              <a:t>Whether is a lock, light, safe, stereo, microwave or camera, Every device </a:t>
+            </a:r>
+            <a:r>
+              <a:rPr lang="en-US" sz="2800" smtClean="0"/>
+              <a:t>that needs to </a:t>
+            </a:r>
+            <a:r>
+              <a:rPr lang="en-US" sz="2800" dirty="0" smtClean="0"/>
+              <a:t>be controlled is right for RAICHU.</a:t>
             </a:r>
           </a:p>
           <a:p>

--- a/docs/final_presentation.pptx
+++ b/docs/final_presentation.pptx
@@ -11,6 +11,9 @@
     <p:sldId id="259" r:id="rId5"/>
     <p:sldId id="258" r:id="rId6"/>
     <p:sldId id="261" r:id="rId7"/>
+    <p:sldId id="262" r:id="rId8"/>
+    <p:sldId id="263" r:id="rId9"/>
+    <p:sldId id="264" r:id="rId10"/>
   </p:sldIdLst>
   <p:sldSz cx="9144000" cy="6858000" type="screen4x3"/>
   <p:notesSz cx="6858000" cy="9144000"/>
@@ -5673,15 +5676,7 @@
           <a:p>
             <a:r>
               <a:rPr lang="en-US" sz="2800" dirty="0" smtClean="0"/>
-              <a:t>Whether is a lock, light, safe, stereo, microwave or camera, Every device </a:t>
-            </a:r>
-            <a:r>
-              <a:rPr lang="en-US" sz="2800" smtClean="0"/>
-              <a:t>that needs to </a:t>
-            </a:r>
-            <a:r>
-              <a:rPr lang="en-US" sz="2800" dirty="0" smtClean="0"/>
-              <a:t>be controlled is right for RAICHU.</a:t>
+              <a:t>Whether is a lock, light, safe, stereo, microwave or camera, Every device that needs to be controlled is right for RAICHU.</a:t>
             </a:r>
           </a:p>
           <a:p>
@@ -5725,6 +5720,612 @@
                 <a:latin typeface="Alien Encounters Solid" pitchFamily="2" charset="0"/>
               </a:rPr>
               <a:t>The impact</a:t>
+            </a:r>
+            <a:endParaRPr lang="en-US" b="0" dirty="0">
+              <a:latin typeface="Lucida Console" pitchFamily="49" charset="0"/>
+            </a:endParaRPr>
+          </a:p>
+        </p:txBody>
+      </p:sp>
+    </p:spTree>
+  </p:cSld>
+  <p:clrMapOvr>
+    <a:masterClrMapping/>
+  </p:clrMapOvr>
+  <p:timing>
+    <p:tnLst>
+      <p:par>
+        <p:cTn id="1" dur="indefinite" restart="never" nodeType="tmRoot"/>
+      </p:par>
+    </p:tnLst>
+  </p:timing>
+</p:sld>
+</file>
+
+<file path=ppt/slides/slide7.xml><?xml version="1.0" encoding="utf-8"?>
+<p:sld xmlns:a="http://schemas.openxmlformats.org/drawingml/2006/main" xmlns:r="http://schemas.openxmlformats.org/officeDocument/2006/relationships" xmlns:p="http://schemas.openxmlformats.org/presentationml/2006/main">
+  <p:cSld>
+    <p:spTree>
+      <p:nvGrpSpPr>
+        <p:cNvPr id="1" name=""/>
+        <p:cNvGrpSpPr/>
+        <p:nvPr/>
+      </p:nvGrpSpPr>
+      <p:grpSpPr>
+        <a:xfrm>
+          <a:off x="0" y="0"/>
+          <a:ext cx="0" cy="0"/>
+          <a:chOff x="0" y="0"/>
+          <a:chExt cx="0" cy="0"/>
+        </a:xfrm>
+      </p:grpSpPr>
+      <p:sp>
+        <p:nvSpPr>
+          <p:cNvPr id="2" name="Content Placeholder 1"/>
+          <p:cNvSpPr>
+            <a:spLocks noGrp="1"/>
+          </p:cNvSpPr>
+          <p:nvPr>
+            <p:ph idx="1"/>
+          </p:nvPr>
+        </p:nvSpPr>
+        <p:spPr/>
+        <p:txBody>
+          <a:bodyPr>
+            <a:normAutofit fontScale="92500" lnSpcReduction="20000"/>
+          </a:bodyPr>
+          <a:lstStyle/>
+          <a:p>
+            <a:r>
+              <a:rPr lang="en-US" sz="2800" dirty="0" smtClean="0"/>
+              <a:t>As a team of two it was rather hard to make a large divide in the work. </a:t>
+            </a:r>
+            <a:endParaRPr lang="en-US" sz="2800" dirty="0" smtClean="0"/>
+          </a:p>
+          <a:p>
+            <a:r>
+              <a:rPr lang="en-US" sz="2800" dirty="0" smtClean="0"/>
+              <a:t>With two main aspects of this project, hardware that can demo and support RAICHU, as well as software running on the server, devices and control applications. We each took charge of one aspect.</a:t>
+            </a:r>
+          </a:p>
+          <a:p>
+            <a:r>
+              <a:rPr lang="en-US" sz="2800" dirty="0" smtClean="0"/>
+              <a:t>Thomas ran software development while Ben was in charge of hardware.</a:t>
+            </a:r>
+          </a:p>
+          <a:p>
+            <a:r>
+              <a:rPr lang="en-US" sz="2800" dirty="0" smtClean="0"/>
+              <a:t>It should also be noted that as a small team, no one area of this project was completed alone. It took careful planning and execution by all members to create a working system.</a:t>
+            </a:r>
+            <a:endParaRPr lang="en-US" dirty="0" smtClean="0"/>
+          </a:p>
+          <a:p>
+            <a:endParaRPr lang="en-US" sz="2800" dirty="0" smtClean="0"/>
+          </a:p>
+        </p:txBody>
+      </p:sp>
+      <p:sp>
+        <p:nvSpPr>
+          <p:cNvPr id="3" name="Title 2"/>
+          <p:cNvSpPr>
+            <a:spLocks noGrp="1"/>
+          </p:cNvSpPr>
+          <p:nvPr>
+            <p:ph type="title"/>
+          </p:nvPr>
+        </p:nvSpPr>
+        <p:spPr/>
+        <p:txBody>
+          <a:bodyPr/>
+          <a:lstStyle/>
+          <a:p>
+            <a:pPr algn="ctr"/>
+            <a:r>
+              <a:rPr lang="en-US" b="0" u="sng" dirty="0" smtClean="0">
+                <a:latin typeface="Alien Encounters Solid" pitchFamily="2" charset="0"/>
+              </a:rPr>
+              <a:t>Team Dynamic</a:t>
+            </a:r>
+            <a:endParaRPr lang="en-US" b="0" dirty="0">
+              <a:latin typeface="Lucida Console" pitchFamily="49" charset="0"/>
+            </a:endParaRPr>
+          </a:p>
+        </p:txBody>
+      </p:sp>
+    </p:spTree>
+  </p:cSld>
+  <p:clrMapOvr>
+    <a:masterClrMapping/>
+  </p:clrMapOvr>
+  <p:timing>
+    <p:tnLst>
+      <p:par>
+        <p:cTn id="1" dur="indefinite" restart="never" nodeType="tmRoot"/>
+      </p:par>
+    </p:tnLst>
+  </p:timing>
+</p:sld>
+</file>
+
+<file path=ppt/slides/slide8.xml><?xml version="1.0" encoding="utf-8"?>
+<p:sld xmlns:a="http://schemas.openxmlformats.org/drawingml/2006/main" xmlns:r="http://schemas.openxmlformats.org/officeDocument/2006/relationships" xmlns:p="http://schemas.openxmlformats.org/presentationml/2006/main">
+  <p:cSld>
+    <p:spTree>
+      <p:nvGrpSpPr>
+        <p:cNvPr id="1" name=""/>
+        <p:cNvGrpSpPr/>
+        <p:nvPr/>
+      </p:nvGrpSpPr>
+      <p:grpSpPr>
+        <a:xfrm>
+          <a:off x="0" y="0"/>
+          <a:ext cx="0" cy="0"/>
+          <a:chOff x="0" y="0"/>
+          <a:chExt cx="0" cy="0"/>
+        </a:xfrm>
+      </p:grpSpPr>
+      <p:sp>
+        <p:nvSpPr>
+          <p:cNvPr id="2" name="Content Placeholder 1"/>
+          <p:cNvSpPr>
+            <a:spLocks noGrp="1"/>
+          </p:cNvSpPr>
+          <p:nvPr>
+            <p:ph idx="1"/>
+          </p:nvPr>
+        </p:nvSpPr>
+        <p:spPr>
+          <a:xfrm>
+            <a:off x="4495800" y="1481328"/>
+            <a:ext cx="4191000" cy="4525963"/>
+          </a:xfrm>
+        </p:spPr>
+        <p:txBody>
+          <a:bodyPr>
+            <a:normAutofit/>
+          </a:bodyPr>
+          <a:lstStyle/>
+          <a:p>
+            <a:pPr lvl="0" algn="ctr">
+              <a:buNone/>
+              <a:defRPr/>
+            </a:pPr>
+            <a:r>
+              <a:rPr lang="en-US" sz="2800" u="sng" dirty="0" smtClean="0"/>
+              <a:t>Ben</a:t>
+            </a:r>
+            <a:endParaRPr lang="en-US" sz="2800" u="sng" dirty="0" smtClean="0"/>
+          </a:p>
+          <a:p>
+            <a:pPr lvl="0">
+              <a:buFont typeface="Wingdings" pitchFamily="2" charset="2"/>
+              <a:buChar char="§"/>
+              <a:defRPr/>
+            </a:pPr>
+            <a:r>
+              <a:rPr lang="en-US" sz="2800" dirty="0" smtClean="0"/>
+              <a:t>Device Design</a:t>
+            </a:r>
+            <a:endParaRPr lang="en-US" sz="2800" dirty="0" smtClean="0"/>
+          </a:p>
+          <a:p>
+            <a:pPr lvl="0">
+              <a:buFont typeface="Wingdings" pitchFamily="2" charset="2"/>
+              <a:buChar char="§"/>
+              <a:defRPr/>
+            </a:pPr>
+            <a:r>
+              <a:rPr lang="en-US" sz="2800" dirty="0" smtClean="0"/>
+              <a:t>API </a:t>
+            </a:r>
+            <a:endParaRPr lang="en-US" sz="2800" dirty="0" smtClean="0"/>
+          </a:p>
+          <a:p>
+            <a:pPr lvl="0">
+              <a:buFont typeface="Wingdings" pitchFamily="2" charset="2"/>
+              <a:buChar char="§"/>
+              <a:defRPr/>
+            </a:pPr>
+            <a:r>
+              <a:rPr lang="en-US" sz="2800" dirty="0" smtClean="0"/>
+              <a:t>Build System</a:t>
+            </a:r>
+          </a:p>
+          <a:p>
+            <a:pPr lvl="0">
+              <a:buFont typeface="Wingdings" pitchFamily="2" charset="2"/>
+              <a:buChar char="§"/>
+              <a:defRPr/>
+            </a:pPr>
+            <a:r>
+              <a:rPr lang="en-US" sz="2800" dirty="0" smtClean="0"/>
+              <a:t>Hardware requirements and implementation</a:t>
+            </a:r>
+          </a:p>
+          <a:p>
+            <a:pPr lvl="0">
+              <a:buFont typeface="Wingdings" pitchFamily="2" charset="2"/>
+              <a:buChar char="§"/>
+              <a:defRPr/>
+            </a:pPr>
+            <a:endParaRPr lang="en-US" sz="2800" dirty="0" smtClean="0"/>
+          </a:p>
+        </p:txBody>
+      </p:sp>
+      <p:sp>
+        <p:nvSpPr>
+          <p:cNvPr id="3" name="Title 2"/>
+          <p:cNvSpPr>
+            <a:spLocks noGrp="1"/>
+          </p:cNvSpPr>
+          <p:nvPr>
+            <p:ph type="title"/>
+          </p:nvPr>
+        </p:nvSpPr>
+        <p:spPr/>
+        <p:txBody>
+          <a:bodyPr/>
+          <a:lstStyle/>
+          <a:p>
+            <a:pPr algn="ctr"/>
+            <a:r>
+              <a:rPr lang="en-US" b="0" u="sng" dirty="0" smtClean="0">
+                <a:latin typeface="Alien Encounters Solid" pitchFamily="2" charset="0"/>
+              </a:rPr>
+              <a:t>Individual </a:t>
+            </a:r>
+            <a:r>
+              <a:rPr lang="en-US" b="0" u="sng" dirty="0" err="1" smtClean="0">
+                <a:latin typeface="Alien Encounters Solid" pitchFamily="2" charset="0"/>
+              </a:rPr>
+              <a:t>responisbilities</a:t>
+            </a:r>
+            <a:endParaRPr lang="en-US" b="0" dirty="0">
+              <a:latin typeface="Lucida Console" pitchFamily="49" charset="0"/>
+            </a:endParaRPr>
+          </a:p>
+        </p:txBody>
+      </p:sp>
+      <p:sp>
+        <p:nvSpPr>
+          <p:cNvPr id="4" name="Content Placeholder 1"/>
+          <p:cNvSpPr txBox="1">
+            <a:spLocks/>
+          </p:cNvSpPr>
+          <p:nvPr/>
+        </p:nvSpPr>
+        <p:spPr>
+          <a:xfrm>
+            <a:off x="228600" y="1600200"/>
+            <a:ext cx="4191000" cy="4525963"/>
+          </a:xfrm>
+          <a:prstGeom prst="rect">
+            <a:avLst/>
+          </a:prstGeom>
+        </p:spPr>
+        <p:txBody>
+          <a:bodyPr vert="horz">
+            <a:normAutofit/>
+          </a:bodyPr>
+          <a:lstStyle/>
+          <a:p>
+            <a:pPr marL="365760" marR="0" lvl="0" indent="-256032" algn="ctr" defTabSz="914400" rtl="0" eaLnBrk="1" fontAlgn="auto" latinLnBrk="0" hangingPunct="1">
+              <a:lnSpc>
+                <a:spcPct val="100000"/>
+              </a:lnSpc>
+              <a:spcBef>
+                <a:spcPts val="400"/>
+              </a:spcBef>
+              <a:spcAft>
+                <a:spcPts val="0"/>
+              </a:spcAft>
+              <a:buClr>
+                <a:schemeClr val="accent1"/>
+              </a:buClr>
+              <a:buSzPct val="68000"/>
+              <a:tabLst/>
+              <a:defRPr/>
+            </a:pPr>
+            <a:r>
+              <a:rPr kumimoji="0" lang="en-US" sz="2800" b="0" i="0" u="sng" strike="noStrike" kern="1200" cap="none" spc="0" normalizeH="0" baseline="0" noProof="0" dirty="0" smtClean="0">
+                <a:ln>
+                  <a:noFill/>
+                </a:ln>
+                <a:solidFill>
+                  <a:schemeClr val="tx1"/>
+                </a:solidFill>
+                <a:effectLst/>
+                <a:uLnTx/>
+                <a:uFillTx/>
+                <a:latin typeface="+mn-lt"/>
+                <a:ea typeface="+mn-ea"/>
+                <a:cs typeface="+mn-cs"/>
+              </a:rPr>
+              <a:t>Thomas</a:t>
+            </a:r>
+          </a:p>
+          <a:p>
+            <a:pPr marL="365760" marR="0" lvl="0" indent="-256032" defTabSz="914400" rtl="0" eaLnBrk="1" fontAlgn="auto" latinLnBrk="0" hangingPunct="1">
+              <a:lnSpc>
+                <a:spcPct val="100000"/>
+              </a:lnSpc>
+              <a:spcBef>
+                <a:spcPts val="400"/>
+              </a:spcBef>
+              <a:spcAft>
+                <a:spcPts val="0"/>
+              </a:spcAft>
+              <a:buClr>
+                <a:schemeClr val="accent1"/>
+              </a:buClr>
+              <a:buSzPct val="68000"/>
+              <a:buFont typeface="Wingdings" pitchFamily="2" charset="2"/>
+              <a:buChar char="§"/>
+              <a:tabLst/>
+              <a:defRPr/>
+            </a:pPr>
+            <a:r>
+              <a:rPr lang="en-US" sz="2800" dirty="0"/>
+              <a:t>M</a:t>
+            </a:r>
+            <a:r>
+              <a:rPr lang="en-US" sz="2800" noProof="0" dirty="0" err="1" smtClean="0"/>
+              <a:t>ain</a:t>
+            </a:r>
+            <a:r>
+              <a:rPr lang="en-US" sz="2800" noProof="0" dirty="0" smtClean="0"/>
+              <a:t> server code </a:t>
+            </a:r>
+          </a:p>
+          <a:p>
+            <a:pPr marL="365760" marR="0" lvl="0" indent="-256032" defTabSz="914400" rtl="0" eaLnBrk="1" fontAlgn="auto" latinLnBrk="0" hangingPunct="1">
+              <a:lnSpc>
+                <a:spcPct val="100000"/>
+              </a:lnSpc>
+              <a:spcBef>
+                <a:spcPts val="400"/>
+              </a:spcBef>
+              <a:spcAft>
+                <a:spcPts val="0"/>
+              </a:spcAft>
+              <a:buClr>
+                <a:schemeClr val="accent1"/>
+              </a:buClr>
+              <a:buSzPct val="68000"/>
+              <a:buFont typeface="Wingdings" pitchFamily="2" charset="2"/>
+              <a:buChar char="§"/>
+              <a:tabLst/>
+              <a:defRPr/>
+            </a:pPr>
+            <a:r>
+              <a:rPr kumimoji="0" lang="en-US" sz="2800" b="0" i="0" strike="noStrike" kern="1200" cap="none" spc="0" normalizeH="0" baseline="0" dirty="0" smtClean="0">
+                <a:ln>
+                  <a:noFill/>
+                </a:ln>
+                <a:solidFill>
+                  <a:schemeClr val="tx1"/>
+                </a:solidFill>
+                <a:effectLst/>
+                <a:uLnTx/>
+                <a:uFillTx/>
+                <a:latin typeface="+mn-lt"/>
+                <a:ea typeface="+mn-ea"/>
+                <a:cs typeface="+mn-cs"/>
+              </a:rPr>
+              <a:t>Database</a:t>
+            </a:r>
+            <a:r>
+              <a:rPr kumimoji="0" lang="en-US" sz="2800" b="0" i="0" strike="noStrike" kern="1200" cap="none" spc="0" normalizeH="0" dirty="0" smtClean="0">
+                <a:ln>
+                  <a:noFill/>
+                </a:ln>
+                <a:solidFill>
+                  <a:schemeClr val="tx1"/>
+                </a:solidFill>
+                <a:effectLst/>
+                <a:uLnTx/>
+                <a:uFillTx/>
+                <a:latin typeface="+mn-lt"/>
+                <a:ea typeface="+mn-ea"/>
+                <a:cs typeface="+mn-cs"/>
+              </a:rPr>
+              <a:t> creation</a:t>
+            </a:r>
+          </a:p>
+          <a:p>
+            <a:pPr marL="365760" marR="0" lvl="0" indent="-256032" defTabSz="914400" rtl="0" eaLnBrk="1" fontAlgn="auto" latinLnBrk="0" hangingPunct="1">
+              <a:lnSpc>
+                <a:spcPct val="100000"/>
+              </a:lnSpc>
+              <a:spcBef>
+                <a:spcPts val="400"/>
+              </a:spcBef>
+              <a:spcAft>
+                <a:spcPts val="0"/>
+              </a:spcAft>
+              <a:buClr>
+                <a:schemeClr val="accent1"/>
+              </a:buClr>
+              <a:buSzPct val="68000"/>
+              <a:buFont typeface="Wingdings" pitchFamily="2" charset="2"/>
+              <a:buChar char="§"/>
+              <a:tabLst/>
+              <a:defRPr/>
+            </a:pPr>
+            <a:r>
+              <a:rPr lang="en-US" sz="2800" baseline="0" noProof="0" dirty="0" smtClean="0"/>
+              <a:t>Control protocol</a:t>
+            </a:r>
+          </a:p>
+          <a:p>
+            <a:pPr marL="365760" marR="0" lvl="0" indent="-256032" defTabSz="914400" rtl="0" eaLnBrk="1" fontAlgn="auto" latinLnBrk="0" hangingPunct="1">
+              <a:lnSpc>
+                <a:spcPct val="100000"/>
+              </a:lnSpc>
+              <a:spcBef>
+                <a:spcPts val="400"/>
+              </a:spcBef>
+              <a:spcAft>
+                <a:spcPts val="0"/>
+              </a:spcAft>
+              <a:buClr>
+                <a:schemeClr val="accent1"/>
+              </a:buClr>
+              <a:buSzPct val="68000"/>
+              <a:buFont typeface="Wingdings" pitchFamily="2" charset="2"/>
+              <a:buChar char="§"/>
+              <a:tabLst/>
+              <a:defRPr/>
+            </a:pPr>
+            <a:r>
+              <a:rPr kumimoji="0" lang="en-US" sz="2800" b="0" i="0" strike="noStrike" kern="1200" cap="none" spc="0" normalizeH="0" baseline="0" noProof="0" dirty="0" smtClean="0">
+                <a:ln>
+                  <a:noFill/>
+                </a:ln>
+                <a:solidFill>
+                  <a:schemeClr val="tx1"/>
+                </a:solidFill>
+                <a:effectLst/>
+                <a:uLnTx/>
+                <a:uFillTx/>
+                <a:latin typeface="+mn-lt"/>
+                <a:ea typeface="+mn-ea"/>
+                <a:cs typeface="+mn-cs"/>
+              </a:rPr>
+              <a:t>System architecture</a:t>
+            </a:r>
+          </a:p>
+          <a:p>
+            <a:pPr marL="365760" marR="0" lvl="0" indent="-256032" defTabSz="914400" rtl="0" eaLnBrk="1" fontAlgn="auto" latinLnBrk="0" hangingPunct="1">
+              <a:lnSpc>
+                <a:spcPct val="100000"/>
+              </a:lnSpc>
+              <a:spcBef>
+                <a:spcPts val="400"/>
+              </a:spcBef>
+              <a:spcAft>
+                <a:spcPts val="0"/>
+              </a:spcAft>
+              <a:buClr>
+                <a:schemeClr val="accent1"/>
+              </a:buClr>
+              <a:buSzPct val="68000"/>
+              <a:buFont typeface="Wingdings" pitchFamily="2" charset="2"/>
+              <a:buChar char="§"/>
+              <a:tabLst/>
+              <a:defRPr/>
+            </a:pPr>
+            <a:endParaRPr kumimoji="0" lang="en-US" sz="2800" b="0" i="0" strike="noStrike" kern="1200" cap="none" spc="0" normalizeH="0" baseline="0" noProof="0" dirty="0" smtClean="0">
+              <a:ln>
+                <a:noFill/>
+              </a:ln>
+              <a:solidFill>
+                <a:schemeClr val="tx1"/>
+              </a:solidFill>
+              <a:effectLst/>
+              <a:uLnTx/>
+              <a:uFillTx/>
+              <a:latin typeface="+mn-lt"/>
+              <a:ea typeface="+mn-ea"/>
+              <a:cs typeface="+mn-cs"/>
+            </a:endParaRPr>
+          </a:p>
+        </p:txBody>
+      </p:sp>
+    </p:spTree>
+  </p:cSld>
+  <p:clrMapOvr>
+    <a:masterClrMapping/>
+  </p:clrMapOvr>
+  <p:timing>
+    <p:tnLst>
+      <p:par>
+        <p:cTn id="1" dur="indefinite" restart="never" nodeType="tmRoot"/>
+      </p:par>
+    </p:tnLst>
+  </p:timing>
+</p:sld>
+</file>
+
+<file path=ppt/slides/slide9.xml><?xml version="1.0" encoding="utf-8"?>
+<p:sld xmlns:a="http://schemas.openxmlformats.org/drawingml/2006/main" xmlns:r="http://schemas.openxmlformats.org/officeDocument/2006/relationships" xmlns:p="http://schemas.openxmlformats.org/presentationml/2006/main">
+  <p:cSld>
+    <p:spTree>
+      <p:nvGrpSpPr>
+        <p:cNvPr id="1" name=""/>
+        <p:cNvGrpSpPr/>
+        <p:nvPr/>
+      </p:nvGrpSpPr>
+      <p:grpSpPr>
+        <a:xfrm>
+          <a:off x="0" y="0"/>
+          <a:ext cx="0" cy="0"/>
+          <a:chOff x="0" y="0"/>
+          <a:chExt cx="0" cy="0"/>
+        </a:xfrm>
+      </p:grpSpPr>
+      <p:sp>
+        <p:nvSpPr>
+          <p:cNvPr id="2" name="Content Placeholder 1"/>
+          <p:cNvSpPr>
+            <a:spLocks noGrp="1"/>
+          </p:cNvSpPr>
+          <p:nvPr>
+            <p:ph idx="1"/>
+          </p:nvPr>
+        </p:nvSpPr>
+        <p:spPr/>
+        <p:txBody>
+          <a:bodyPr>
+            <a:normAutofit fontScale="85000" lnSpcReduction="10000"/>
+          </a:bodyPr>
+          <a:lstStyle/>
+          <a:p>
+            <a:r>
+              <a:rPr lang="en-US" sz="2800" dirty="0" smtClean="0"/>
+              <a:t>The RAICHU framework and API will be an ever evolving project that will work to best fit developers needs. One of the initial goals set fourth by the RAICHU team was to create a system in which developers would want to use and want to improve. At its current state, there are many shortcomings as well as many strengths. These can all be leveraged to help advance RAICHU and get it in more in more devices.</a:t>
+            </a:r>
+          </a:p>
+          <a:p>
+            <a:r>
+              <a:rPr lang="en-US" sz="2800" dirty="0" smtClean="0"/>
+              <a:t>The RAICHU team encourages feedback, both positive and negative that can help make this architecture easier to use, more reliable, and more secure.</a:t>
+            </a:r>
+          </a:p>
+          <a:p>
+            <a:endParaRPr lang="en-US" sz="2800" dirty="0" smtClean="0"/>
+          </a:p>
+          <a:p>
+            <a:pPr>
+              <a:buNone/>
+            </a:pPr>
+            <a:endParaRPr lang="en-US" sz="2800" dirty="0" smtClean="0"/>
+          </a:p>
+        </p:txBody>
+      </p:sp>
+      <p:sp>
+        <p:nvSpPr>
+          <p:cNvPr id="3" name="Title 2"/>
+          <p:cNvSpPr>
+            <a:spLocks noGrp="1"/>
+          </p:cNvSpPr>
+          <p:nvPr>
+            <p:ph type="title"/>
+          </p:nvPr>
+        </p:nvSpPr>
+        <p:spPr/>
+        <p:txBody>
+          <a:bodyPr/>
+          <a:lstStyle/>
+          <a:p>
+            <a:pPr algn="ctr"/>
+            <a:r>
+              <a:rPr lang="en-US" b="0" u="sng" dirty="0" smtClean="0">
+                <a:latin typeface="Alien Encounters Solid" pitchFamily="2" charset="0"/>
+              </a:rPr>
+              <a:t>Future work</a:t>
             </a:r>
             <a:endParaRPr lang="en-US" b="0" dirty="0">
               <a:latin typeface="Lucida Console" pitchFamily="49" charset="0"/>
